--- a/day 3/SAC_Training Day 3.pptx
+++ b/day 3/SAC_Training Day 3.pptx
@@ -207,7 +207,7 @@
           <a:p>
             <a:fld id="{4AF2A06D-4991-4208-8C88-4E8BAD69A8B8}" type="datetimeFigureOut">
               <a:rPr lang="en-US" smtClean="0"/>
-              <a:t>12/11/2020</a:t>
+              <a:t>11/16/2021</a:t>
             </a:fld>
             <a:endParaRPr lang="en-US"/>
           </a:p>
@@ -831,7 +831,7 @@
           <a:p>
             <a:fld id="{E26E0DA5-0C76-4851-AA82-0B75261F9EB4}" type="datetimeFigureOut">
               <a:rPr lang="en-US" smtClean="0"/>
-              <a:t>12/11/2020</a:t>
+              <a:t>11/16/2021</a:t>
             </a:fld>
             <a:endParaRPr lang="en-US"/>
           </a:p>
@@ -999,7 +999,7 @@
           <a:p>
             <a:fld id="{E26E0DA5-0C76-4851-AA82-0B75261F9EB4}" type="datetimeFigureOut">
               <a:rPr lang="en-US" smtClean="0"/>
-              <a:t>12/11/2020</a:t>
+              <a:t>11/16/2021</a:t>
             </a:fld>
             <a:endParaRPr lang="en-US"/>
           </a:p>
@@ -1177,7 +1177,7 @@
           <a:p>
             <a:fld id="{E26E0DA5-0C76-4851-AA82-0B75261F9EB4}" type="datetimeFigureOut">
               <a:rPr lang="en-US" smtClean="0"/>
-              <a:t>12/11/2020</a:t>
+              <a:t>11/16/2021</a:t>
             </a:fld>
             <a:endParaRPr lang="en-US"/>
           </a:p>
@@ -1504,7 +1504,7 @@
             <a:fld id="{9578D6DB-6798-42D2-B9AD-FC6F1C72FC30}" type="datetimeFigureOut">
               <a:rPr lang="en-US" smtClean="0"/>
               <a:pPr/>
-              <a:t>12/11/2020</a:t>
+              <a:t>11/16/2021</a:t>
             </a:fld>
             <a:endParaRPr lang="en-US"/>
           </a:p>
@@ -1746,7 +1746,7 @@
             <a:fld id="{425404F2-BE9A-4460-8815-8F645183555F}" type="datetimeFigureOut">
               <a:rPr lang="en-US" smtClean="0"/>
               <a:pPr/>
-              <a:t>12/11/2020</a:t>
+              <a:t>11/16/2021</a:t>
             </a:fld>
             <a:endParaRPr lang="en-US"/>
           </a:p>
@@ -1874,7 +1874,7 @@
             <a:fld id="{425404F2-BE9A-4460-8815-8F645183555F}" type="datetimeFigureOut">
               <a:rPr lang="en-US" smtClean="0"/>
               <a:pPr/>
-              <a:t>12/11/2020</a:t>
+              <a:t>11/16/2021</a:t>
             </a:fld>
             <a:endParaRPr lang="en-US"/>
           </a:p>
@@ -2124,7 +2124,7 @@
             <a:fld id="{425404F2-BE9A-4460-8815-8F645183555F}" type="datetimeFigureOut">
               <a:rPr lang="en-US" smtClean="0"/>
               <a:pPr/>
-              <a:t>12/11/2020</a:t>
+              <a:t>11/16/2021</a:t>
             </a:fld>
             <a:endParaRPr lang="en-US"/>
           </a:p>
@@ -2294,7 +2294,7 @@
             <a:fld id="{425404F2-BE9A-4460-8815-8F645183555F}" type="datetimeFigureOut">
               <a:rPr lang="en-US" smtClean="0"/>
               <a:pPr/>
-              <a:t>12/11/2020</a:t>
+              <a:t>11/16/2021</a:t>
             </a:fld>
             <a:endParaRPr lang="en-US"/>
           </a:p>
@@ -2581,7 +2581,7 @@
             <a:fld id="{425404F2-BE9A-4460-8815-8F645183555F}" type="datetimeFigureOut">
               <a:rPr lang="en-US" smtClean="0"/>
               <a:pPr/>
-              <a:t>12/11/2020</a:t>
+              <a:t>11/16/2021</a:t>
             </a:fld>
             <a:endParaRPr lang="en-US"/>
           </a:p>
@@ -3002,7 +3002,7 @@
             <a:fld id="{425404F2-BE9A-4460-8815-8F645183555F}" type="datetimeFigureOut">
               <a:rPr lang="en-US" smtClean="0"/>
               <a:pPr/>
-              <a:t>12/11/2020</a:t>
+              <a:t>11/16/2021</a:t>
             </a:fld>
             <a:endParaRPr lang="en-US"/>
           </a:p>
@@ -3127,7 +3127,7 @@
             <a:fld id="{425404F2-BE9A-4460-8815-8F645183555F}" type="datetimeFigureOut">
               <a:rPr lang="en-US" smtClean="0"/>
               <a:pPr/>
-              <a:t>12/11/2020</a:t>
+              <a:t>11/16/2021</a:t>
             </a:fld>
             <a:endParaRPr lang="en-US"/>
           </a:p>
@@ -3353,7 +3353,7 @@
           <a:p>
             <a:fld id="{E26E0DA5-0C76-4851-AA82-0B75261F9EB4}" type="datetimeFigureOut">
               <a:rPr lang="en-US" smtClean="0"/>
-              <a:t>12/11/2020</a:t>
+              <a:t>11/16/2021</a:t>
             </a:fld>
             <a:endParaRPr lang="en-US"/>
           </a:p>
@@ -3477,7 +3477,7 @@
             <a:fld id="{425404F2-BE9A-4460-8815-8F645183555F}" type="datetimeFigureOut">
               <a:rPr lang="en-US" smtClean="0"/>
               <a:pPr/>
-              <a:t>12/11/2020</a:t>
+              <a:t>11/16/2021</a:t>
             </a:fld>
             <a:endParaRPr lang="en-US"/>
           </a:p>
@@ -4024,7 +4024,7 @@
             <a:fld id="{425404F2-BE9A-4460-8815-8F645183555F}" type="datetimeFigureOut">
               <a:rPr lang="en-US" smtClean="0"/>
               <a:pPr/>
-              <a:t>12/11/2020</a:t>
+              <a:t>11/16/2021</a:t>
             </a:fld>
             <a:endParaRPr lang="en-US"/>
           </a:p>
@@ -4172,7 +4172,7 @@
             <a:fld id="{425404F2-BE9A-4460-8815-8F645183555F}" type="datetimeFigureOut">
               <a:rPr lang="en-US" smtClean="0"/>
               <a:pPr/>
-              <a:t>12/11/2020</a:t>
+              <a:t>11/16/2021</a:t>
             </a:fld>
             <a:endParaRPr lang="en-US"/>
           </a:p>
@@ -4405,7 +4405,7 @@
             <a:fld id="{425404F2-BE9A-4460-8815-8F645183555F}" type="datetimeFigureOut">
               <a:rPr lang="en-US" smtClean="0"/>
               <a:pPr/>
-              <a:t>12/11/2020</a:t>
+              <a:t>11/16/2021</a:t>
             </a:fld>
             <a:endParaRPr lang="en-US"/>
           </a:p>
@@ -4643,7 +4643,7 @@
             <a:fld id="{425404F2-BE9A-4460-8815-8F645183555F}" type="datetimeFigureOut">
               <a:rPr lang="en-US" smtClean="0"/>
               <a:pPr/>
-              <a:t>12/11/2020</a:t>
+              <a:t>11/16/2021</a:t>
             </a:fld>
             <a:endParaRPr lang="en-US"/>
           </a:p>
@@ -4825,7 +4825,7 @@
             <a:fld id="{425404F2-BE9A-4460-8815-8F645183555F}" type="datetimeFigureOut">
               <a:rPr lang="en-US" smtClean="0"/>
               <a:pPr/>
-              <a:t>12/11/2020</a:t>
+              <a:t>11/16/2021</a:t>
             </a:fld>
             <a:endParaRPr lang="en-US"/>
           </a:p>
@@ -5102,7 +5102,7 @@
             <a:fld id="{425404F2-BE9A-4460-8815-8F645183555F}" type="datetimeFigureOut">
               <a:rPr lang="en-US" smtClean="0"/>
               <a:pPr/>
-              <a:t>12/11/2020</a:t>
+              <a:t>11/16/2021</a:t>
             </a:fld>
             <a:endParaRPr lang="en-US"/>
           </a:p>
@@ -5356,7 +5356,7 @@
             <a:fld id="{425404F2-BE9A-4460-8815-8F645183555F}" type="datetimeFigureOut">
               <a:rPr lang="en-US" smtClean="0"/>
               <a:pPr/>
-              <a:t>12/11/2020</a:t>
+              <a:t>11/16/2021</a:t>
             </a:fld>
             <a:endParaRPr lang="en-US"/>
           </a:p>
@@ -5526,7 +5526,7 @@
             <a:fld id="{425404F2-BE9A-4460-8815-8F645183555F}" type="datetimeFigureOut">
               <a:rPr lang="en-US" smtClean="0"/>
               <a:pPr/>
-              <a:t>12/11/2020</a:t>
+              <a:t>11/16/2021</a:t>
             </a:fld>
             <a:endParaRPr lang="en-US"/>
           </a:p>
@@ -5706,7 +5706,7 @@
             <a:fld id="{425404F2-BE9A-4460-8815-8F645183555F}" type="datetimeFigureOut">
               <a:rPr lang="en-US" smtClean="0"/>
               <a:pPr/>
-              <a:t>12/11/2020</a:t>
+              <a:t>11/16/2021</a:t>
             </a:fld>
             <a:endParaRPr lang="en-US"/>
           </a:p>
@@ -5952,7 +5952,7 @@
           <a:p>
             <a:fld id="{E26E0DA5-0C76-4851-AA82-0B75261F9EB4}" type="datetimeFigureOut">
               <a:rPr lang="en-US" smtClean="0"/>
-              <a:t>12/11/2020</a:t>
+              <a:t>11/16/2021</a:t>
             </a:fld>
             <a:endParaRPr lang="en-US"/>
           </a:p>
@@ -6181,7 +6181,7 @@
           <a:p>
             <a:fld id="{E26E0DA5-0C76-4851-AA82-0B75261F9EB4}" type="datetimeFigureOut">
               <a:rPr lang="en-US" smtClean="0"/>
-              <a:t>12/11/2020</a:t>
+              <a:t>11/16/2021</a:t>
             </a:fld>
             <a:endParaRPr lang="en-US"/>
           </a:p>
@@ -6545,7 +6545,7 @@
           <a:p>
             <a:fld id="{E26E0DA5-0C76-4851-AA82-0B75261F9EB4}" type="datetimeFigureOut">
               <a:rPr lang="en-US" smtClean="0"/>
-              <a:t>12/11/2020</a:t>
+              <a:t>11/16/2021</a:t>
             </a:fld>
             <a:endParaRPr lang="en-US"/>
           </a:p>
@@ -6662,7 +6662,7 @@
           <a:p>
             <a:fld id="{E26E0DA5-0C76-4851-AA82-0B75261F9EB4}" type="datetimeFigureOut">
               <a:rPr lang="en-US" smtClean="0"/>
-              <a:t>12/11/2020</a:t>
+              <a:t>11/16/2021</a:t>
             </a:fld>
             <a:endParaRPr lang="en-US"/>
           </a:p>
@@ -6757,7 +6757,7 @@
           <a:p>
             <a:fld id="{E26E0DA5-0C76-4851-AA82-0B75261F9EB4}" type="datetimeFigureOut">
               <a:rPr lang="en-US" smtClean="0"/>
-              <a:t>12/11/2020</a:t>
+              <a:t>11/16/2021</a:t>
             </a:fld>
             <a:endParaRPr lang="en-US"/>
           </a:p>
@@ -7032,7 +7032,7 @@
           <a:p>
             <a:fld id="{E26E0DA5-0C76-4851-AA82-0B75261F9EB4}" type="datetimeFigureOut">
               <a:rPr lang="en-US" smtClean="0"/>
-              <a:t>12/11/2020</a:t>
+              <a:t>11/16/2021</a:t>
             </a:fld>
             <a:endParaRPr lang="en-US"/>
           </a:p>
@@ -7284,7 +7284,7 @@
           <a:p>
             <a:fld id="{E26E0DA5-0C76-4851-AA82-0B75261F9EB4}" type="datetimeFigureOut">
               <a:rPr lang="en-US" smtClean="0"/>
-              <a:t>12/11/2020</a:t>
+              <a:t>11/16/2021</a:t>
             </a:fld>
             <a:endParaRPr lang="en-US"/>
           </a:p>
@@ -7495,7 +7495,7 @@
           <a:p>
             <a:fld id="{E26E0DA5-0C76-4851-AA82-0B75261F9EB4}" type="datetimeFigureOut">
               <a:rPr lang="en-US" smtClean="0"/>
-              <a:t>12/11/2020</a:t>
+              <a:t>11/16/2021</a:t>
             </a:fld>
             <a:endParaRPr lang="en-US"/>
           </a:p>
@@ -8052,7 +8052,7 @@
             <a:fld id="{425404F2-BE9A-4460-8815-8F645183555F}" type="datetimeFigureOut">
               <a:rPr lang="en-US" smtClean="0"/>
               <a:pPr/>
-              <a:t>12/11/2020</a:t>
+              <a:t>11/16/2021</a:t>
             </a:fld>
             <a:endParaRPr lang="en-US"/>
           </a:p>
@@ -8613,7 +8613,7 @@
         <p:spPr>
           <a:xfrm>
             <a:off x="187367" y="2062424"/>
-            <a:ext cx="6629399" cy="1200329"/>
+            <a:ext cx="6629399" cy="1754326"/>
           </a:xfrm>
           <a:prstGeom prst="rect">
             <a:avLst/>
@@ -8632,8 +8632,31 @@
                   <a:schemeClr val="bg1"/>
                 </a:solidFill>
               </a:rPr>
-              <a:t>Anurag Bajaj</a:t>
-            </a:r>
+              <a:t>Anurag </a:t>
+            </a:r>
+            <a:r>
+              <a:rPr lang="en-US" sz="3600" spc="-150" dirty="0" smtClean="0">
+                <a:solidFill>
+                  <a:schemeClr val="bg1"/>
+                </a:solidFill>
+              </a:rPr>
+              <a:t>Bajaj</a:t>
+            </a:r>
+          </a:p>
+          <a:p>
+            <a:r>
+              <a:rPr lang="en-US" sz="3600" spc="-150" dirty="0" smtClean="0">
+                <a:solidFill>
+                  <a:schemeClr val="bg1"/>
+                </a:solidFill>
+              </a:rPr>
+              <a:t>Shubham Singh</a:t>
+            </a:r>
+            <a:endParaRPr lang="en-US" sz="3600" spc="-150" dirty="0">
+              <a:solidFill>
+                <a:schemeClr val="bg1"/>
+              </a:solidFill>
+            </a:endParaRPr>
           </a:p>
           <a:p>
             <a:r>
@@ -8704,7 +8727,7 @@
           <p:cNvPr id="2052" name="Picture 4" descr="Ski Jumping Arena - Free Presentation Templates">
             <a:extLst>
               <a:ext uri="{FF2B5EF4-FFF2-40B4-BE49-F238E27FC236}">
-                <a16:creationId xmlns:a16="http://schemas.microsoft.com/office/drawing/2014/main" id="{B0D7E6A1-F72A-4F69-B4FB-A4ED7A0C6CED}"/>
+                <a16:creationId xmlns:a16="http://schemas.microsoft.com/office/drawing/2014/main" xmlns="" id="{B0D7E6A1-F72A-4F69-B4FB-A4ED7A0C6CED}"/>
               </a:ext>
             </a:extLst>
           </p:cNvPr>
@@ -8892,7 +8915,7 @@
           <p:cNvPr id="2" name="Title 3">
             <a:extLst>
               <a:ext uri="{FF2B5EF4-FFF2-40B4-BE49-F238E27FC236}">
-                <a16:creationId xmlns:a16="http://schemas.microsoft.com/office/drawing/2014/main" id="{F07FC580-E2AB-4C55-8C95-D5E077A1D127}"/>
+                <a16:creationId xmlns:a16="http://schemas.microsoft.com/office/drawing/2014/main" xmlns="" id="{F07FC580-E2AB-4C55-8C95-D5E077A1D127}"/>
               </a:ext>
             </a:extLst>
           </p:cNvPr>
@@ -8974,7 +8997,7 @@
           <p:cNvPr id="4" name="Footer Placeholder 45">
             <a:extLst>
               <a:ext uri="{FF2B5EF4-FFF2-40B4-BE49-F238E27FC236}">
-                <a16:creationId xmlns:a16="http://schemas.microsoft.com/office/drawing/2014/main" id="{90E33047-DFF5-4690-8905-31E4C115EFDC}"/>
+                <a16:creationId xmlns:a16="http://schemas.microsoft.com/office/drawing/2014/main" xmlns="" id="{90E33047-DFF5-4690-8905-31E4C115EFDC}"/>
               </a:ext>
             </a:extLst>
           </p:cNvPr>
@@ -9037,7 +9060,7 @@
           <p:cNvPr id="5" name="TextBox 4">
             <a:extLst>
               <a:ext uri="{FF2B5EF4-FFF2-40B4-BE49-F238E27FC236}">
-                <a16:creationId xmlns:a16="http://schemas.microsoft.com/office/drawing/2014/main" id="{27E5B41D-1DDF-48C9-A5AF-075F84492B68}"/>
+                <a16:creationId xmlns:a16="http://schemas.microsoft.com/office/drawing/2014/main" xmlns="" id="{27E5B41D-1DDF-48C9-A5AF-075F84492B68}"/>
               </a:ext>
             </a:extLst>
           </p:cNvPr>
@@ -9765,7 +9788,7 @@
           <p:cNvPr id="37" name="TextBox 36">
             <a:extLst>
               <a:ext uri="{FF2B5EF4-FFF2-40B4-BE49-F238E27FC236}">
-                <a16:creationId xmlns:a16="http://schemas.microsoft.com/office/drawing/2014/main" id="{E8CAC22F-1542-4031-BC6C-A16989886504}"/>
+                <a16:creationId xmlns:a16="http://schemas.microsoft.com/office/drawing/2014/main" xmlns="" id="{E8CAC22F-1542-4031-BC6C-A16989886504}"/>
               </a:ext>
             </a:extLst>
           </p:cNvPr>
@@ -9818,7 +9841,7 @@
           <p:cNvPr id="40" name="Picture 39">
             <a:extLst>
               <a:ext uri="{FF2B5EF4-FFF2-40B4-BE49-F238E27FC236}">
-                <a16:creationId xmlns:a16="http://schemas.microsoft.com/office/drawing/2014/main" id="{DA60E6FB-8C44-4FEB-B6E9-83DA908565CD}"/>
+                <a16:creationId xmlns:a16="http://schemas.microsoft.com/office/drawing/2014/main" xmlns="" id="{DA60E6FB-8C44-4FEB-B6E9-83DA908565CD}"/>
               </a:ext>
             </a:extLst>
           </p:cNvPr>
@@ -9854,7 +9877,7 @@
           <p:cNvPr id="41" name="Straight Connector 40">
             <a:extLst>
               <a:ext uri="{FF2B5EF4-FFF2-40B4-BE49-F238E27FC236}">
-                <a16:creationId xmlns:a16="http://schemas.microsoft.com/office/drawing/2014/main" id="{3B3B7D73-CAE9-45AC-ACCE-FAEF4E505C7A}"/>
+                <a16:creationId xmlns:a16="http://schemas.microsoft.com/office/drawing/2014/main" xmlns="" id="{3B3B7D73-CAE9-45AC-ACCE-FAEF4E505C7A}"/>
               </a:ext>
             </a:extLst>
           </p:cNvPr>
@@ -9890,7 +9913,7 @@
           <p:cNvPr id="2" name="TextBox 1">
             <a:extLst>
               <a:ext uri="{FF2B5EF4-FFF2-40B4-BE49-F238E27FC236}">
-                <a16:creationId xmlns:a16="http://schemas.microsoft.com/office/drawing/2014/main" id="{4D244890-F002-43A1-84CE-97A597F5A188}"/>
+                <a16:creationId xmlns:a16="http://schemas.microsoft.com/office/drawing/2014/main" xmlns="" id="{4D244890-F002-43A1-84CE-97A597F5A188}"/>
               </a:ext>
             </a:extLst>
           </p:cNvPr>
@@ -10045,7 +10068,7 @@
           <p:cNvPr id="40" name="Picture 39">
             <a:extLst>
               <a:ext uri="{FF2B5EF4-FFF2-40B4-BE49-F238E27FC236}">
-                <a16:creationId xmlns:a16="http://schemas.microsoft.com/office/drawing/2014/main" id="{DA60E6FB-8C44-4FEB-B6E9-83DA908565CD}"/>
+                <a16:creationId xmlns:a16="http://schemas.microsoft.com/office/drawing/2014/main" xmlns="" id="{DA60E6FB-8C44-4FEB-B6E9-83DA908565CD}"/>
               </a:ext>
             </a:extLst>
           </p:cNvPr>
@@ -10081,7 +10104,7 @@
           <p:cNvPr id="41" name="Straight Connector 40">
             <a:extLst>
               <a:ext uri="{FF2B5EF4-FFF2-40B4-BE49-F238E27FC236}">
-                <a16:creationId xmlns:a16="http://schemas.microsoft.com/office/drawing/2014/main" id="{3B3B7D73-CAE9-45AC-ACCE-FAEF4E505C7A}"/>
+                <a16:creationId xmlns:a16="http://schemas.microsoft.com/office/drawing/2014/main" xmlns="" id="{3B3B7D73-CAE9-45AC-ACCE-FAEF4E505C7A}"/>
               </a:ext>
             </a:extLst>
           </p:cNvPr>
@@ -10117,7 +10140,7 @@
           <p:cNvPr id="2" name="TextBox 1">
             <a:extLst>
               <a:ext uri="{FF2B5EF4-FFF2-40B4-BE49-F238E27FC236}">
-                <a16:creationId xmlns:a16="http://schemas.microsoft.com/office/drawing/2014/main" id="{0849BF03-6D6C-4336-8327-E2B7A4B55FC8}"/>
+                <a16:creationId xmlns:a16="http://schemas.microsoft.com/office/drawing/2014/main" xmlns="" id="{0849BF03-6D6C-4336-8327-E2B7A4B55FC8}"/>
               </a:ext>
             </a:extLst>
           </p:cNvPr>
@@ -10300,7 +10323,7 @@
           <p:cNvPr id="37" name="TextBox 36">
             <a:extLst>
               <a:ext uri="{FF2B5EF4-FFF2-40B4-BE49-F238E27FC236}">
-                <a16:creationId xmlns:a16="http://schemas.microsoft.com/office/drawing/2014/main" id="{E8CAC22F-1542-4031-BC6C-A16989886504}"/>
+                <a16:creationId xmlns:a16="http://schemas.microsoft.com/office/drawing/2014/main" xmlns="" id="{E8CAC22F-1542-4031-BC6C-A16989886504}"/>
               </a:ext>
             </a:extLst>
           </p:cNvPr>
@@ -10353,7 +10376,7 @@
           <p:cNvPr id="40" name="Picture 39">
             <a:extLst>
               <a:ext uri="{FF2B5EF4-FFF2-40B4-BE49-F238E27FC236}">
-                <a16:creationId xmlns:a16="http://schemas.microsoft.com/office/drawing/2014/main" id="{DA60E6FB-8C44-4FEB-B6E9-83DA908565CD}"/>
+                <a16:creationId xmlns:a16="http://schemas.microsoft.com/office/drawing/2014/main" xmlns="" id="{DA60E6FB-8C44-4FEB-B6E9-83DA908565CD}"/>
               </a:ext>
             </a:extLst>
           </p:cNvPr>
@@ -10389,7 +10412,7 @@
           <p:cNvPr id="41" name="Straight Connector 40">
             <a:extLst>
               <a:ext uri="{FF2B5EF4-FFF2-40B4-BE49-F238E27FC236}">
-                <a16:creationId xmlns:a16="http://schemas.microsoft.com/office/drawing/2014/main" id="{3B3B7D73-CAE9-45AC-ACCE-FAEF4E505C7A}"/>
+                <a16:creationId xmlns:a16="http://schemas.microsoft.com/office/drawing/2014/main" xmlns="" id="{3B3B7D73-CAE9-45AC-ACCE-FAEF4E505C7A}"/>
               </a:ext>
             </a:extLst>
           </p:cNvPr>
@@ -10425,7 +10448,7 @@
           <p:cNvPr id="2" name="TextBox 1">
             <a:extLst>
               <a:ext uri="{FF2B5EF4-FFF2-40B4-BE49-F238E27FC236}">
-                <a16:creationId xmlns:a16="http://schemas.microsoft.com/office/drawing/2014/main" id="{4D244890-F002-43A1-84CE-97A597F5A188}"/>
+                <a16:creationId xmlns:a16="http://schemas.microsoft.com/office/drawing/2014/main" xmlns="" id="{4D244890-F002-43A1-84CE-97A597F5A188}"/>
               </a:ext>
             </a:extLst>
           </p:cNvPr>
@@ -10552,7 +10575,7 @@
           <p:cNvPr id="37" name="TextBox 36">
             <a:extLst>
               <a:ext uri="{FF2B5EF4-FFF2-40B4-BE49-F238E27FC236}">
-                <a16:creationId xmlns:a16="http://schemas.microsoft.com/office/drawing/2014/main" id="{E8CAC22F-1542-4031-BC6C-A16989886504}"/>
+                <a16:creationId xmlns:a16="http://schemas.microsoft.com/office/drawing/2014/main" xmlns="" id="{E8CAC22F-1542-4031-BC6C-A16989886504}"/>
               </a:ext>
             </a:extLst>
           </p:cNvPr>
@@ -10605,7 +10628,7 @@
           <p:cNvPr id="40" name="Picture 39">
             <a:extLst>
               <a:ext uri="{FF2B5EF4-FFF2-40B4-BE49-F238E27FC236}">
-                <a16:creationId xmlns:a16="http://schemas.microsoft.com/office/drawing/2014/main" id="{DA60E6FB-8C44-4FEB-B6E9-83DA908565CD}"/>
+                <a16:creationId xmlns:a16="http://schemas.microsoft.com/office/drawing/2014/main" xmlns="" id="{DA60E6FB-8C44-4FEB-B6E9-83DA908565CD}"/>
               </a:ext>
             </a:extLst>
           </p:cNvPr>
@@ -10641,7 +10664,7 @@
           <p:cNvPr id="41" name="Straight Connector 40">
             <a:extLst>
               <a:ext uri="{FF2B5EF4-FFF2-40B4-BE49-F238E27FC236}">
-                <a16:creationId xmlns:a16="http://schemas.microsoft.com/office/drawing/2014/main" id="{3B3B7D73-CAE9-45AC-ACCE-FAEF4E505C7A}"/>
+                <a16:creationId xmlns:a16="http://schemas.microsoft.com/office/drawing/2014/main" xmlns="" id="{3B3B7D73-CAE9-45AC-ACCE-FAEF4E505C7A}"/>
               </a:ext>
             </a:extLst>
           </p:cNvPr>
@@ -10677,7 +10700,7 @@
           <p:cNvPr id="2" name="TextBox 1">
             <a:extLst>
               <a:ext uri="{FF2B5EF4-FFF2-40B4-BE49-F238E27FC236}">
-                <a16:creationId xmlns:a16="http://schemas.microsoft.com/office/drawing/2014/main" id="{C202B2D0-B24F-4F31-B138-D79CFD59C913}"/>
+                <a16:creationId xmlns:a16="http://schemas.microsoft.com/office/drawing/2014/main" xmlns="" id="{C202B2D0-B24F-4F31-B138-D79CFD59C913}"/>
               </a:ext>
             </a:extLst>
           </p:cNvPr>
@@ -10796,7 +10819,7 @@
           <p:cNvPr id="7" name="TextBox 6">
             <a:extLst>
               <a:ext uri="{FF2B5EF4-FFF2-40B4-BE49-F238E27FC236}">
-                <a16:creationId xmlns:a16="http://schemas.microsoft.com/office/drawing/2014/main" id="{F3603DA6-7EFA-435C-9424-1D849E01237E}"/>
+                <a16:creationId xmlns:a16="http://schemas.microsoft.com/office/drawing/2014/main" xmlns="" id="{F3603DA6-7EFA-435C-9424-1D849E01237E}"/>
               </a:ext>
             </a:extLst>
           </p:cNvPr>
@@ -10886,7 +10909,7 @@
           <p:cNvPr id="2" name="Title 3">
             <a:extLst>
               <a:ext uri="{FF2B5EF4-FFF2-40B4-BE49-F238E27FC236}">
-                <a16:creationId xmlns:a16="http://schemas.microsoft.com/office/drawing/2014/main" id="{F07FC580-E2AB-4C55-8C95-D5E077A1D127}"/>
+                <a16:creationId xmlns:a16="http://schemas.microsoft.com/office/drawing/2014/main" xmlns="" id="{F07FC580-E2AB-4C55-8C95-D5E077A1D127}"/>
               </a:ext>
             </a:extLst>
           </p:cNvPr>
@@ -10935,7 +10958,7 @@
           <p:cNvPr id="7" name="TextBox 6">
             <a:extLst>
               <a:ext uri="{FF2B5EF4-FFF2-40B4-BE49-F238E27FC236}">
-                <a16:creationId xmlns:a16="http://schemas.microsoft.com/office/drawing/2014/main" id="{17EB74BE-8011-4153-8F37-3BEF9C1F4CC0}"/>
+                <a16:creationId xmlns:a16="http://schemas.microsoft.com/office/drawing/2014/main" xmlns="" id="{17EB74BE-8011-4153-8F37-3BEF9C1F4CC0}"/>
               </a:ext>
             </a:extLst>
           </p:cNvPr>
@@ -11000,7 +11023,7 @@
           <p:cNvPr id="2" name="Title 1">
             <a:extLst>
               <a:ext uri="{FF2B5EF4-FFF2-40B4-BE49-F238E27FC236}">
-                <a16:creationId xmlns:a16="http://schemas.microsoft.com/office/drawing/2014/main" id="{29CB9E00-0397-4178-9E57-32DC82D3A8F7}"/>
+                <a16:creationId xmlns:a16="http://schemas.microsoft.com/office/drawing/2014/main" xmlns="" id="{29CB9E00-0397-4178-9E57-32DC82D3A8F7}"/>
               </a:ext>
             </a:extLst>
           </p:cNvPr>
@@ -11025,7 +11048,7 @@
           <p:cNvPr id="3" name="Content Placeholder 2">
             <a:extLst>
               <a:ext uri="{FF2B5EF4-FFF2-40B4-BE49-F238E27FC236}">
-                <a16:creationId xmlns:a16="http://schemas.microsoft.com/office/drawing/2014/main" id="{73A078A5-4F35-4958-8384-CBBBD3DED2C3}"/>
+                <a16:creationId xmlns:a16="http://schemas.microsoft.com/office/drawing/2014/main" xmlns="" id="{73A078A5-4F35-4958-8384-CBBBD3DED2C3}"/>
               </a:ext>
             </a:extLst>
           </p:cNvPr>
@@ -11080,7 +11103,7 @@
           <p:cNvPr id="1028" name="Picture 4" descr="Free Vector | Flat people with question marks background">
             <a:extLst>
               <a:ext uri="{FF2B5EF4-FFF2-40B4-BE49-F238E27FC236}">
-                <a16:creationId xmlns:a16="http://schemas.microsoft.com/office/drawing/2014/main" id="{E158EC70-4769-4E41-A278-C90EC4E480C7}"/>
+                <a16:creationId xmlns:a16="http://schemas.microsoft.com/office/drawing/2014/main" xmlns="" id="{E158EC70-4769-4E41-A278-C90EC4E480C7}"/>
               </a:ext>
             </a:extLst>
           </p:cNvPr>
@@ -11125,7 +11148,7 @@
           <p:cNvPr id="2" name="TextBox 1">
             <a:extLst>
               <a:ext uri="{FF2B5EF4-FFF2-40B4-BE49-F238E27FC236}">
-                <a16:creationId xmlns:a16="http://schemas.microsoft.com/office/drawing/2014/main" id="{994C3DB2-D47E-4B94-804B-87AF1FDEF86E}"/>
+                <a16:creationId xmlns:a16="http://schemas.microsoft.com/office/drawing/2014/main" xmlns="" id="{994C3DB2-D47E-4B94-804B-87AF1FDEF86E}"/>
               </a:ext>
             </a:extLst>
           </p:cNvPr>
